--- a/Poster/Poster.pptx
+++ b/Poster/Poster.pptx
@@ -11,7 +11,7 @@
     <p:sldId id="263" r:id="rId2"/>
   </p:sldIdLst>
   <p:sldSz cx="31189613" cy="22302788"/>
-  <p:notesSz cx="9926638" cy="6797675"/>
+  <p:notesSz cx="29819600" cy="20929600"/>
   <p:defaultTextStyle>
     <a:defPPr>
       <a:defRPr lang="en-US"/>
@@ -170,18 +170,18 @@
         </p:nvSpPr>
         <p:spPr>
           <a:xfrm>
-            <a:off x="0" y="0"/>
-            <a:ext cx="4301543" cy="339884"/>
+            <a:off x="4" y="1"/>
+            <a:ext cx="12921827" cy="1046480"/>
           </a:xfrm>
           <a:prstGeom prst="rect">
             <a:avLst/>
           </a:prstGeom>
         </p:spPr>
         <p:txBody>
-          <a:bodyPr vert="horz" lIns="91440" tIns="45720" rIns="91440" bIns="45720" rtlCol="0"/>
+          <a:bodyPr vert="horz" lIns="277429" tIns="138714" rIns="277429" bIns="138714" rtlCol="0"/>
           <a:lstStyle>
             <a:lvl1pPr algn="l">
-              <a:defRPr sz="1200"/>
+              <a:defRPr sz="3500"/>
             </a:lvl1pPr>
           </a:lstStyle>
           <a:p>
@@ -201,18 +201,18 @@
         </p:nvSpPr>
         <p:spPr>
           <a:xfrm>
-            <a:off x="5622798" y="0"/>
-            <a:ext cx="4301543" cy="339884"/>
+            <a:off x="16890878" y="1"/>
+            <a:ext cx="12921827" cy="1046480"/>
           </a:xfrm>
           <a:prstGeom prst="rect">
             <a:avLst/>
           </a:prstGeom>
         </p:spPr>
         <p:txBody>
-          <a:bodyPr vert="horz" lIns="91440" tIns="45720" rIns="91440" bIns="45720" rtlCol="0"/>
+          <a:bodyPr vert="horz" lIns="277429" tIns="138714" rIns="277429" bIns="138714" rtlCol="0"/>
           <a:lstStyle>
             <a:lvl1pPr algn="r">
-              <a:defRPr sz="1200"/>
+              <a:defRPr sz="3500"/>
             </a:lvl1pPr>
           </a:lstStyle>
           <a:p>
@@ -236,8 +236,8 @@
         </p:nvSpPr>
         <p:spPr>
           <a:xfrm>
-            <a:off x="3181350" y="509588"/>
-            <a:ext cx="3563938" cy="2549525"/>
+            <a:off x="9418638" y="1568450"/>
+            <a:ext cx="10982325" cy="7853363"/>
           </a:xfrm>
           <a:prstGeom prst="rect">
             <a:avLst/>
@@ -250,7 +250,7 @@
           </a:ln>
         </p:spPr>
         <p:txBody>
-          <a:bodyPr vert="horz" lIns="91440" tIns="45720" rIns="91440" bIns="45720" rtlCol="0" anchor="ctr"/>
+          <a:bodyPr vert="horz" lIns="277429" tIns="138714" rIns="277429" bIns="138714" rtlCol="0" anchor="ctr"/>
           <a:lstStyle/>
           <a:p>
             <a:endParaRPr lang="en-US"/>
@@ -269,15 +269,15 @@
         </p:nvSpPr>
         <p:spPr>
           <a:xfrm>
-            <a:off x="992664" y="3228896"/>
-            <a:ext cx="7941310" cy="3058954"/>
+            <a:off x="2981962" y="9941563"/>
+            <a:ext cx="23855679" cy="9418320"/>
           </a:xfrm>
           <a:prstGeom prst="rect">
             <a:avLst/>
           </a:prstGeom>
         </p:spPr>
         <p:txBody>
-          <a:bodyPr vert="horz" lIns="91440" tIns="45720" rIns="91440" bIns="45720" rtlCol="0"/>
+          <a:bodyPr vert="horz" lIns="277429" tIns="138714" rIns="277429" bIns="138714" rtlCol="0"/>
           <a:lstStyle/>
           <a:p>
             <a:pPr lvl="0"/>
@@ -329,18 +329,18 @@
         </p:nvSpPr>
         <p:spPr>
           <a:xfrm>
-            <a:off x="0" y="6456612"/>
-            <a:ext cx="4301543" cy="339884"/>
+            <a:off x="4" y="19879495"/>
+            <a:ext cx="12921827" cy="1046480"/>
           </a:xfrm>
           <a:prstGeom prst="rect">
             <a:avLst/>
           </a:prstGeom>
         </p:spPr>
         <p:txBody>
-          <a:bodyPr vert="horz" lIns="91440" tIns="45720" rIns="91440" bIns="45720" rtlCol="0" anchor="b"/>
+          <a:bodyPr vert="horz" lIns="277429" tIns="138714" rIns="277429" bIns="138714" rtlCol="0" anchor="b"/>
           <a:lstStyle>
             <a:lvl1pPr algn="l">
-              <a:defRPr sz="1200"/>
+              <a:defRPr sz="3500"/>
             </a:lvl1pPr>
           </a:lstStyle>
           <a:p>
@@ -360,18 +360,18 @@
         </p:nvSpPr>
         <p:spPr>
           <a:xfrm>
-            <a:off x="5622798" y="6456612"/>
-            <a:ext cx="4301543" cy="339884"/>
+            <a:off x="16890878" y="19879495"/>
+            <a:ext cx="12921827" cy="1046480"/>
           </a:xfrm>
           <a:prstGeom prst="rect">
             <a:avLst/>
           </a:prstGeom>
         </p:spPr>
         <p:txBody>
-          <a:bodyPr vert="horz" lIns="91440" tIns="45720" rIns="91440" bIns="45720" rtlCol="0" anchor="b"/>
+          <a:bodyPr vert="horz" lIns="277429" tIns="138714" rIns="277429" bIns="138714" rtlCol="0" anchor="b"/>
           <a:lstStyle>
             <a:lvl1pPr algn="r">
-              <a:defRPr sz="1200"/>
+              <a:defRPr sz="3500"/>
             </a:lvl1pPr>
           </a:lstStyle>
           <a:p>
@@ -484,6 +484,90 @@
     </a:lvl9pPr>
   </p:notesStyle>
 </p:notesMaster>
+</file>
+
+<file path=ppt/notesSlides/notesSlide1.xml><?xml version="1.0" encoding="utf-8"?>
+<p:notes xmlns:a="http://schemas.openxmlformats.org/drawingml/2006/main" xmlns:r="http://schemas.openxmlformats.org/officeDocument/2006/relationships" xmlns:p="http://schemas.openxmlformats.org/presentationml/2006/main">
+  <p:cSld>
+    <p:spTree>
+      <p:nvGrpSpPr>
+        <p:cNvPr id="1" name=""/>
+        <p:cNvGrpSpPr/>
+        <p:nvPr/>
+      </p:nvGrpSpPr>
+      <p:grpSpPr>
+        <a:xfrm>
+          <a:off x="0" y="0"/>
+          <a:ext cx="0" cy="0"/>
+          <a:chOff x="0" y="0"/>
+          <a:chExt cx="0" cy="0"/>
+        </a:xfrm>
+      </p:grpSpPr>
+      <p:sp>
+        <p:nvSpPr>
+          <p:cNvPr id="2" name="Slide Image Placeholder 1"/>
+          <p:cNvSpPr>
+            <a:spLocks noGrp="1" noRot="1" noChangeAspect="1"/>
+          </p:cNvSpPr>
+          <p:nvPr>
+            <p:ph type="sldImg"/>
+          </p:nvPr>
+        </p:nvSpPr>
+        <p:spPr/>
+      </p:sp>
+      <p:sp>
+        <p:nvSpPr>
+          <p:cNvPr id="3" name="Notes Placeholder 2"/>
+          <p:cNvSpPr>
+            <a:spLocks noGrp="1"/>
+          </p:cNvSpPr>
+          <p:nvPr>
+            <p:ph type="body" idx="1"/>
+          </p:nvPr>
+        </p:nvSpPr>
+        <p:spPr/>
+        <p:txBody>
+          <a:bodyPr/>
+          <a:lstStyle/>
+          <a:p>
+            <a:endParaRPr lang="en-ZA"/>
+          </a:p>
+        </p:txBody>
+      </p:sp>
+      <p:sp>
+        <p:nvSpPr>
+          <p:cNvPr id="4" name="Slide Number Placeholder 3"/>
+          <p:cNvSpPr>
+            <a:spLocks noGrp="1"/>
+          </p:cNvSpPr>
+          <p:nvPr>
+            <p:ph type="sldNum" sz="quarter" idx="10"/>
+          </p:nvPr>
+        </p:nvSpPr>
+        <p:spPr/>
+        <p:txBody>
+          <a:bodyPr/>
+          <a:lstStyle/>
+          <a:p>
+            <a:fld id="{CD15AFD9-35F1-4A8D-8AD3-EDB948176196}" type="slidenum">
+              <a:rPr lang="en-US" smtClean="0"/>
+              <a:t>1</a:t>
+            </a:fld>
+            <a:endParaRPr lang="en-US"/>
+          </a:p>
+        </p:txBody>
+      </p:sp>
+    </p:spTree>
+    <p:extLst>
+      <p:ext uri="{BB962C8B-B14F-4D97-AF65-F5344CB8AC3E}">
+        <p14:creationId xmlns:p14="http://schemas.microsoft.com/office/powerpoint/2010/main" val="1795037444"/>
+      </p:ext>
+    </p:extLst>
+  </p:cSld>
+  <p:clrMapOvr>
+    <a:masterClrMapping/>
+  </p:clrMapOvr>
+</p:notes>
 </file>
 
 <file path=ppt/slideLayouts/slideLayout1.xml><?xml version="1.0" encoding="utf-8"?>
@@ -991,125 +1075,6 @@
           <a:chExt cx="0" cy="0"/>
         </a:xfrm>
       </p:grpSpPr>
-      <p:grpSp>
-        <p:nvGrpSpPr>
-          <p:cNvPr id="13" name="Group 12"/>
-          <p:cNvGrpSpPr/>
-          <p:nvPr/>
-        </p:nvGrpSpPr>
-        <p:grpSpPr>
-          <a:xfrm>
-            <a:off x="1398053" y="918791"/>
-            <a:ext cx="28511501" cy="3678440"/>
-            <a:chOff x="1398053" y="918791"/>
-            <a:chExt cx="28511501" cy="3678440"/>
-          </a:xfrm>
-        </p:grpSpPr>
-        <p:sp>
-          <p:nvSpPr>
-            <p:cNvPr id="72" name="Rectangle 71"/>
-            <p:cNvSpPr/>
-            <p:nvPr/>
-          </p:nvSpPr>
-          <p:spPr>
-            <a:xfrm>
-              <a:off x="1398053" y="918791"/>
-              <a:ext cx="28511501" cy="3678440"/>
-            </a:xfrm>
-            <a:prstGeom prst="rect">
-              <a:avLst/>
-            </a:prstGeom>
-            <a:solidFill>
-              <a:srgbClr val="0076BC"/>
-            </a:solidFill>
-            <a:ln>
-              <a:noFill/>
-            </a:ln>
-          </p:spPr>
-          <p:style>
-            <a:lnRef idx="2">
-              <a:schemeClr val="accent1">
-                <a:shade val="50000"/>
-              </a:schemeClr>
-            </a:lnRef>
-            <a:fillRef idx="1">
-              <a:schemeClr val="accent1"/>
-            </a:fillRef>
-            <a:effectRef idx="0">
-              <a:schemeClr val="accent1"/>
-            </a:effectRef>
-            <a:fontRef idx="minor">
-              <a:schemeClr val="lt1"/>
-            </a:fontRef>
-          </p:style>
-          <p:txBody>
-            <a:bodyPr lIns="83160" tIns="41580" rIns="83160" bIns="41580" rtlCol="0" anchor="ctr"/>
-            <a:lstStyle/>
-            <a:p>
-              <a:pPr algn="ctr"/>
-              <a:endParaRPr lang="en-US" sz="3801" b="1"/>
-            </a:p>
-          </p:txBody>
-        </p:sp>
-        <p:pic>
-          <p:nvPicPr>
-            <p:cNvPr id="12" name="Picture 11"/>
-            <p:cNvPicPr>
-              <a:picLocks noChangeAspect="1"/>
-            </p:cNvPicPr>
-            <p:nvPr/>
-          </p:nvPicPr>
-          <p:blipFill rotWithShape="1">
-            <a:blip r:embed="rId2" cstate="print">
-              <a:extLst>
-                <a:ext uri="{28A0092B-C50C-407E-A947-70E740481C1C}">
-                  <a14:useLocalDpi xmlns:a14="http://schemas.microsoft.com/office/drawing/2010/main" val="0"/>
-                </a:ext>
-              </a:extLst>
-            </a:blip>
-            <a:srcRect l="22122" t="22676" r="23732" b="17364"/>
-            <a:stretch/>
-          </p:blipFill>
-          <p:spPr>
-            <a:xfrm>
-              <a:off x="1644473" y="1647512"/>
-              <a:ext cx="1986234" cy="2233612"/>
-            </a:xfrm>
-            <a:prstGeom prst="rect">
-              <a:avLst/>
-            </a:prstGeom>
-          </p:spPr>
-        </p:pic>
-        <p:pic>
-          <p:nvPicPr>
-            <p:cNvPr id="91" name="Picture 90"/>
-            <p:cNvPicPr>
-              <a:picLocks noChangeAspect="1"/>
-            </p:cNvPicPr>
-            <p:nvPr/>
-          </p:nvPicPr>
-          <p:blipFill rotWithShape="1">
-            <a:blip r:embed="rId2" cstate="print">
-              <a:extLst>
-                <a:ext uri="{28A0092B-C50C-407E-A947-70E740481C1C}">
-                  <a14:useLocalDpi xmlns:a14="http://schemas.microsoft.com/office/drawing/2010/main" val="0"/>
-                </a:ext>
-              </a:extLst>
-            </a:blip>
-            <a:srcRect l="22122" t="22676" r="23732" b="17364"/>
-            <a:stretch/>
-          </p:blipFill>
-          <p:spPr>
-            <a:xfrm>
-              <a:off x="27676899" y="1641002"/>
-              <a:ext cx="1986234" cy="2233612"/>
-            </a:xfrm>
-            <a:prstGeom prst="rect">
-              <a:avLst/>
-            </a:prstGeom>
-          </p:spPr>
-        </p:pic>
-      </p:grpSp>
       <p:sp>
         <p:nvSpPr>
           <p:cNvPr id="40" name="Rectangle 39"/>
@@ -1210,8 +1175,8 @@
         </p:nvSpPr>
         <p:spPr>
           <a:xfrm>
-            <a:off x="23098473" y="4984312"/>
-            <a:ext cx="6811081" cy="12552673"/>
+            <a:off x="23096865" y="4984313"/>
+            <a:ext cx="6812689" cy="11734826"/>
           </a:xfrm>
           <a:prstGeom prst="rect">
             <a:avLst/>
@@ -1256,8 +1221,8 @@
         </p:nvSpPr>
         <p:spPr>
           <a:xfrm>
-            <a:off x="1398051" y="4984313"/>
-            <a:ext cx="6811081" cy="8503087"/>
+            <a:off x="1365715" y="4984313"/>
+            <a:ext cx="6807595" cy="8579576"/>
           </a:xfrm>
           <a:prstGeom prst="rect">
             <a:avLst/>
@@ -1302,8 +1267,8 @@
         </p:nvSpPr>
         <p:spPr>
           <a:xfrm>
-            <a:off x="1487171" y="5548740"/>
-            <a:ext cx="6534650" cy="7632859"/>
+            <a:off x="1487171" y="5654571"/>
+            <a:ext cx="6534650" cy="7817525"/>
           </a:xfrm>
           <a:prstGeom prst="rect">
             <a:avLst/>
@@ -1322,72 +1287,65 @@
               </a:spcAft>
             </a:pPr>
             <a:r>
-              <a:rPr lang="en-ZA" sz="2400" dirty="0"/>
+              <a:rPr lang="en-ZA" sz="2200" dirty="0"/>
               <a:t>With laser scanning becoming more prominent as a form of surveying, </a:t>
             </a:r>
             <a:r>
-              <a:rPr lang="en-ZA" sz="2400" dirty="0" smtClean="0"/>
+              <a:rPr lang="en-ZA" sz="2200" dirty="0" smtClean="0"/>
               <a:t>it becomes increasingly </a:t>
             </a:r>
             <a:r>
-              <a:rPr lang="en-ZA" sz="2400" dirty="0"/>
-              <a:t>important for us to be able to process the </a:t>
-            </a:r>
-            <a:r>
-              <a:rPr lang="en-ZA" sz="2400" dirty="0"/>
-              <a:t>resulting point </a:t>
-            </a:r>
-            <a:r>
-              <a:rPr lang="en-ZA" sz="2400" dirty="0"/>
-              <a:t>clouds and make use of them. </a:t>
-            </a:r>
-            <a:r>
-              <a:rPr lang="en-ZA" sz="2400" dirty="0"/>
-              <a:t>This </a:t>
-            </a:r>
-            <a:r>
-              <a:rPr lang="en-ZA" sz="2400" dirty="0"/>
-              <a:t>project aims to takes </a:t>
-            </a:r>
-            <a:r>
-              <a:rPr lang="en-ZA" sz="2400" dirty="0"/>
-              <a:t>indoor laser </a:t>
-            </a:r>
-            <a:r>
-              <a:rPr lang="en-ZA" sz="2400" dirty="0"/>
-              <a:t>scans </a:t>
-            </a:r>
-            <a:r>
-              <a:rPr lang="en-ZA" sz="2400" dirty="0" smtClean="0"/>
+              <a:rPr lang="en-ZA" sz="2200" dirty="0"/>
+              <a:t>important for us to be able to process the resulting point clouds and make use of them. This project aims to takes indoor laser scans </a:t>
+            </a:r>
+            <a:r>
+              <a:rPr lang="en-ZA" sz="2200" dirty="0" smtClean="0"/>
               <a:t>and create </a:t>
             </a:r>
             <a:r>
-              <a:rPr lang="en-ZA" sz="2400" dirty="0"/>
-              <a:t>boundary representations </a:t>
-            </a:r>
-            <a:r>
-              <a:rPr lang="en-ZA" sz="2400" dirty="0"/>
-              <a:t>of these laser scans </a:t>
-            </a:r>
-            <a:r>
-              <a:rPr lang="en-ZA" sz="2400" dirty="0" smtClean="0"/>
+              <a:rPr lang="en-ZA" sz="2200" dirty="0"/>
+              <a:t>boundary representations of these laser scans </a:t>
+            </a:r>
+            <a:r>
+              <a:rPr lang="en-ZA" sz="2200" dirty="0" smtClean="0"/>
               <a:t>using </a:t>
             </a:r>
             <a:r>
-              <a:rPr lang="en-ZA" sz="2400" dirty="0"/>
+              <a:rPr lang="en-ZA" sz="2200" dirty="0"/>
               <a:t>machine </a:t>
             </a:r>
             <a:r>
-              <a:rPr lang="en-ZA" sz="2400" dirty="0" smtClean="0"/>
-              <a:t>learning processes and algorithms.</a:t>
-            </a:r>
-          </a:p>
-          <a:p>
-            <a:pPr algn="just"/>
-            <a:r>
-              <a:rPr lang="en-ZA" sz="2400" dirty="0" smtClean="0"/>
-              <a:t>    This is done on uncleaned point clouds with a few specific techniques:</a:t>
-            </a:r>
+              <a:rPr lang="en-ZA" sz="2200" dirty="0" smtClean="0"/>
+              <a:t>learning processes and algorithms</a:t>
+            </a:r>
+            <a:r>
+              <a:rPr lang="en-ZA" sz="2200" dirty="0" smtClean="0"/>
+              <a:t>.</a:t>
+            </a:r>
+          </a:p>
+          <a:p>
+            <a:pPr algn="just">
+              <a:spcAft>
+                <a:spcPts val="600"/>
+              </a:spcAft>
+            </a:pPr>
+            <a:endParaRPr lang="en-ZA" sz="2200" dirty="0" smtClean="0"/>
+          </a:p>
+          <a:p>
+            <a:pPr algn="just">
+              <a:spcAft>
+                <a:spcPts val="1200"/>
+              </a:spcAft>
+            </a:pPr>
+            <a:r>
+              <a:rPr lang="en-ZA" sz="2200" dirty="0" smtClean="0"/>
+              <a:t>    This is done on uncleaned point clouds with a few specific techniques</a:t>
+            </a:r>
+            <a:r>
+              <a:rPr lang="en-ZA" sz="2200" dirty="0" smtClean="0"/>
+              <a:t>:</a:t>
+            </a:r>
+            <a:endParaRPr lang="en-ZA" sz="2200" dirty="0" smtClean="0"/>
           </a:p>
           <a:p>
             <a:pPr marL="342900" indent="-342900" algn="just">
@@ -1395,7 +1353,7 @@
               <a:buChar char="•"/>
             </a:pPr>
             <a:r>
-              <a:rPr lang="en-ZA" sz="2400" dirty="0" smtClean="0"/>
+              <a:rPr lang="en-ZA" sz="2200" dirty="0" smtClean="0"/>
               <a:t>Normal computation using Principal Components Analysis</a:t>
             </a:r>
           </a:p>
@@ -1405,7 +1363,7 @@
               <a:buChar char="•"/>
             </a:pPr>
             <a:r>
-              <a:rPr lang="en-ZA" sz="2400" dirty="0" smtClean="0"/>
+              <a:rPr lang="en-ZA" sz="2200" dirty="0" smtClean="0"/>
               <a:t>Segmentation using Region Growing</a:t>
             </a:r>
           </a:p>
@@ -1415,7 +1373,7 @@
               <a:buChar char="•"/>
             </a:pPr>
             <a:r>
-              <a:rPr lang="en-ZA" sz="2400" dirty="0" smtClean="0"/>
+              <a:rPr lang="en-ZA" sz="2200" dirty="0" smtClean="0"/>
               <a:t>Plane Fitting using RANSAC</a:t>
             </a:r>
           </a:p>
@@ -1425,30 +1383,44 @@
               <a:buChar char="•"/>
             </a:pPr>
             <a:r>
-              <a:rPr lang="en-ZA" sz="2400" dirty="0" smtClean="0"/>
+              <a:rPr lang="en-ZA" sz="2200" dirty="0" smtClean="0"/>
               <a:t>Segment filtering based on bounding boxes</a:t>
             </a:r>
           </a:p>
           <a:p>
             <a:pPr marL="342900" indent="-342900" algn="just">
               <a:spcAft>
-                <a:spcPts val="600"/>
+                <a:spcPts val="1200"/>
               </a:spcAft>
               <a:buFont typeface="Arial" panose="020B0604020202020204" pitchFamily="34" charset="0"/>
               <a:buChar char="•"/>
             </a:pPr>
             <a:r>
-              <a:rPr lang="en-ZA" sz="2400" dirty="0" smtClean="0"/>
-              <a:t>Extrusion of segment corner points</a:t>
-            </a:r>
-          </a:p>
-          <a:p>
-            <a:pPr algn="just"/>
-            <a:r>
-              <a:rPr lang="en-ZA" sz="2400" dirty="0" smtClean="0"/>
+              <a:rPr lang="en-ZA" sz="2200" dirty="0" smtClean="0"/>
+              <a:t>Extrusion of segment corner </a:t>
+            </a:r>
+            <a:r>
+              <a:rPr lang="en-ZA" sz="2200" dirty="0" smtClean="0"/>
+              <a:t>points</a:t>
+            </a:r>
+          </a:p>
+          <a:p>
+            <a:pPr marL="342900" indent="-342900" algn="just">
+              <a:spcAft>
+                <a:spcPts val="1200"/>
+              </a:spcAft>
+              <a:buFont typeface="Arial" panose="020B0604020202020204" pitchFamily="34" charset="0"/>
+              <a:buChar char="•"/>
+            </a:pPr>
+            <a:endParaRPr lang="en-ZA" sz="2200" dirty="0" smtClean="0"/>
+          </a:p>
+          <a:p>
+            <a:pPr algn="just"/>
+            <a:r>
+              <a:rPr lang="en-ZA" sz="2200" dirty="0" smtClean="0"/>
               <a:t>A boundary representation model is a method for representing solids by surface elements. That is representing each wall the floor and roof as single surface elements.</a:t>
             </a:r>
-            <a:endParaRPr lang="en-ZA" sz="2400" dirty="0"/>
+            <a:endParaRPr lang="en-ZA" sz="2200" dirty="0"/>
           </a:p>
         </p:txBody>
       </p:sp>
@@ -1480,9 +1452,6 @@
               </a:rPr>
               <a:t>Introduction</a:t>
             </a:r>
-            <a:endParaRPr lang="en-US" sz="2800" u="sng" dirty="0">
-              <a:latin typeface="Arial Black" pitchFamily="34" charset="0"/>
-            </a:endParaRPr>
           </a:p>
         </p:txBody>
       </p:sp>
@@ -1528,8 +1497,8 @@
         </p:nvSpPr>
         <p:spPr>
           <a:xfrm>
-            <a:off x="8762362" y="5547953"/>
-            <a:ext cx="6503261" cy="15296495"/>
+            <a:off x="8762362" y="5593018"/>
+            <a:ext cx="6503261" cy="14434721"/>
           </a:xfrm>
           <a:prstGeom prst="rect">
             <a:avLst/>
@@ -1554,88 +1523,104 @@
               </a:spcAft>
             </a:pPr>
             <a:r>
-              <a:rPr lang="en-US" sz="2400" dirty="0" smtClean="0"/>
-              <a:t>The Segmentation of the point cloud is one of the most important steps. The point cloud is segmented up into different planar sections. From these sections walls and floors are detected and extracted. To do this the segmentation parameters need to be correct.</a:t>
-            </a:r>
-            <a:endParaRPr lang="en-US" sz="2400" dirty="0"/>
-          </a:p>
-          <a:p>
-            <a:pPr algn="just"/>
-            <a:r>
-              <a:rPr lang="en-US" sz="2400" dirty="0" smtClean="0"/>
-              <a:t>    Below is an undesirable result from segmentation. There are too many small unnecessary segments that could cause problems later.</a:t>
-            </a:r>
-          </a:p>
-          <a:p>
-            <a:pPr algn="just"/>
-            <a:endParaRPr lang="en-US" sz="2400" dirty="0"/>
-          </a:p>
-          <a:p>
-            <a:pPr algn="just"/>
-            <a:endParaRPr lang="en-US" sz="2400" dirty="0" smtClean="0"/>
-          </a:p>
-          <a:p>
-            <a:pPr algn="just"/>
-            <a:endParaRPr lang="en-US" sz="2400" dirty="0"/>
-          </a:p>
-          <a:p>
-            <a:pPr algn="just"/>
-            <a:endParaRPr lang="en-US" sz="2400" dirty="0" smtClean="0"/>
-          </a:p>
-          <a:p>
-            <a:pPr algn="just"/>
-            <a:endParaRPr lang="en-US" sz="2400" dirty="0"/>
-          </a:p>
-          <a:p>
-            <a:pPr algn="just"/>
-            <a:endParaRPr lang="en-US" sz="2400" dirty="0" smtClean="0"/>
-          </a:p>
-          <a:p>
-            <a:pPr algn="just"/>
-            <a:endParaRPr lang="en-US" sz="2400" dirty="0"/>
-          </a:p>
-          <a:p>
-            <a:pPr algn="just"/>
-            <a:endParaRPr lang="en-US" sz="2400" dirty="0" smtClean="0"/>
-          </a:p>
-          <a:p>
-            <a:pPr algn="just"/>
-            <a:endParaRPr lang="en-US" sz="2400" dirty="0"/>
-          </a:p>
-          <a:p>
-            <a:pPr algn="just"/>
-            <a:r>
-              <a:rPr lang="en-US" sz="2400" dirty="0" smtClean="0"/>
+              <a:rPr lang="en-US" sz="2200" dirty="0" smtClean="0"/>
+              <a:t>The Segmentation of the point cloud is one of the most important steps. The point cloud is segmented up into different planar sections. From these sections walls and floors are detected and extracted. To do this the segmentation parameters need to be correct</a:t>
+            </a:r>
+            <a:r>
+              <a:rPr lang="en-US" sz="2200" dirty="0" smtClean="0"/>
+              <a:t>.</a:t>
+            </a:r>
+            <a:endParaRPr lang="en-US" sz="2200" dirty="0"/>
+          </a:p>
+          <a:p>
+            <a:pPr algn="just"/>
+            <a:r>
+              <a:rPr lang="en-US" sz="2200" dirty="0" smtClean="0"/>
+              <a:t>    Below is an undesirable result from segmentation. There are too many small unnecessary segments that could cause problems later</a:t>
+            </a:r>
+            <a:r>
+              <a:rPr lang="en-US" sz="2200" dirty="0" smtClean="0"/>
+              <a:t>.</a:t>
+            </a:r>
+          </a:p>
+          <a:p>
+            <a:pPr algn="just"/>
+            <a:endParaRPr lang="en-US" sz="2200" dirty="0"/>
+          </a:p>
+          <a:p>
+            <a:pPr algn="just"/>
+            <a:endParaRPr lang="en-US" sz="2200" dirty="0" smtClean="0"/>
+          </a:p>
+          <a:p>
+            <a:pPr algn="just"/>
+            <a:endParaRPr lang="en-US" sz="2200" dirty="0"/>
+          </a:p>
+          <a:p>
+            <a:pPr algn="just"/>
+            <a:endParaRPr lang="en-US" sz="2200" dirty="0"/>
+          </a:p>
+          <a:p>
+            <a:pPr algn="just"/>
+            <a:endParaRPr lang="en-US" sz="2200" dirty="0" smtClean="0"/>
+          </a:p>
+          <a:p>
+            <a:pPr algn="just"/>
+            <a:endParaRPr lang="en-US" sz="2200" dirty="0"/>
+          </a:p>
+          <a:p>
+            <a:pPr algn="just"/>
+            <a:endParaRPr lang="en-US" sz="2200" dirty="0" smtClean="0"/>
+          </a:p>
+          <a:p>
+            <a:pPr algn="just"/>
+            <a:endParaRPr lang="en-US" sz="2200" dirty="0"/>
+          </a:p>
+          <a:p>
+            <a:pPr algn="just"/>
+            <a:endParaRPr lang="en-US" sz="2200" dirty="0" smtClean="0"/>
+          </a:p>
+          <a:p>
+            <a:pPr algn="just"/>
+            <a:endParaRPr lang="en-US" sz="2200" dirty="0"/>
+          </a:p>
+          <a:p>
+            <a:pPr algn="just"/>
+            <a:endParaRPr lang="en-US" sz="2200" dirty="0"/>
+          </a:p>
+          <a:p>
+            <a:pPr algn="just"/>
+            <a:r>
+              <a:rPr lang="en-US" sz="2200" dirty="0" smtClean="0"/>
               <a:t>With the correct parameters the segmentation result should look as follows:</a:t>
             </a:r>
           </a:p>
           <a:p>
             <a:pPr algn="just"/>
-            <a:endParaRPr lang="en-US" sz="2400" dirty="0" smtClean="0"/>
-          </a:p>
-          <a:p>
-            <a:pPr algn="just"/>
-            <a:endParaRPr lang="en-US" sz="2400" dirty="0"/>
-          </a:p>
-          <a:p>
-            <a:pPr algn="just"/>
-            <a:endParaRPr lang="en-US" sz="2400" dirty="0" smtClean="0"/>
-          </a:p>
-          <a:p>
-            <a:pPr algn="just"/>
-            <a:endParaRPr lang="en-US" sz="2400" dirty="0"/>
-          </a:p>
-          <a:p>
-            <a:pPr algn="just"/>
-            <a:endParaRPr lang="en-US" sz="2400" dirty="0" smtClean="0"/>
-          </a:p>
-          <a:p>
-            <a:pPr algn="just"/>
-            <a:endParaRPr lang="en-US" sz="2400" dirty="0"/>
-          </a:p>
-          <a:p>
-            <a:pPr algn="just"/>
-            <a:endParaRPr lang="en-US" sz="2400" dirty="0" smtClean="0"/>
+            <a:endParaRPr lang="en-US" sz="2200" dirty="0" smtClean="0"/>
+          </a:p>
+          <a:p>
+            <a:pPr algn="just"/>
+            <a:endParaRPr lang="en-US" sz="2200" dirty="0"/>
+          </a:p>
+          <a:p>
+            <a:pPr algn="just"/>
+            <a:endParaRPr lang="en-US" sz="2200" dirty="0" smtClean="0"/>
+          </a:p>
+          <a:p>
+            <a:pPr algn="just"/>
+            <a:endParaRPr lang="en-US" sz="2200" dirty="0"/>
+          </a:p>
+          <a:p>
+            <a:pPr algn="just"/>
+            <a:endParaRPr lang="en-US" sz="2200" dirty="0" smtClean="0"/>
+          </a:p>
+          <a:p>
+            <a:pPr algn="just"/>
+            <a:endParaRPr lang="en-US" sz="2200" dirty="0"/>
+          </a:p>
+          <a:p>
+            <a:pPr algn="just"/>
+            <a:endParaRPr lang="en-US" sz="2200" dirty="0" smtClean="0"/>
           </a:p>
           <a:p>
             <a:pPr algn="just"/>
@@ -1664,203 +1649,13 @@
           <a:p>
             <a:pPr algn="just"/>
             <a:r>
-              <a:rPr lang="en-US" sz="2400" dirty="0" smtClean="0"/>
+              <a:rPr lang="en-US" sz="2200" dirty="0" smtClean="0"/>
               <a:t>Segments are selected based on their vertical size and orientation. Segments with a vertical extent less that 1m are removed and segments that are not perfectly vertical or horizontal are also removed. This leaves just the extents of the room. </a:t>
             </a:r>
           </a:p>
           <a:p>
             <a:pPr algn="just"/>
             <a:endParaRPr lang="en-US" sz="2400" dirty="0"/>
-          </a:p>
-        </p:txBody>
-      </p:sp>
-      <p:sp>
-        <p:nvSpPr>
-          <p:cNvPr id="57" name="TextBox 56"/>
-          <p:cNvSpPr txBox="1"/>
-          <p:nvPr/>
-        </p:nvSpPr>
-        <p:spPr>
-          <a:xfrm>
-            <a:off x="16004552" y="5680900"/>
-            <a:ext cx="6583695" cy="17127766"/>
-          </a:xfrm>
-          <a:prstGeom prst="rect">
-            <a:avLst/>
-          </a:prstGeom>
-          <a:noFill/>
-        </p:spPr>
-        <p:txBody>
-          <a:bodyPr wrap="square" rtlCol="0">
-            <a:spAutoFit/>
-          </a:bodyPr>
-          <a:lstStyle/>
-          <a:p>
-            <a:pPr algn="just">
-              <a:spcAft>
-                <a:spcPts val="600"/>
-              </a:spcAft>
-            </a:pPr>
-            <a:r>
-              <a:rPr lang="en-US" sz="2800" b="1" dirty="0"/>
-              <a:t>Segment Selection </a:t>
-            </a:r>
-            <a:r>
-              <a:rPr lang="en-US" sz="2800" b="1" dirty="0" smtClean="0"/>
-              <a:t>Cont.</a:t>
-            </a:r>
-          </a:p>
-          <a:p>
-            <a:pPr algn="just"/>
-            <a:r>
-              <a:rPr lang="en-US" sz="2400" dirty="0"/>
-              <a:t>After </a:t>
-            </a:r>
-            <a:r>
-              <a:rPr lang="en-US" sz="2400" dirty="0" smtClean="0"/>
-              <a:t>the segment selection is left the scan will look as follows:</a:t>
-            </a:r>
-          </a:p>
-          <a:p>
-            <a:pPr algn="just"/>
-            <a:endParaRPr lang="en-US" sz="2400" dirty="0"/>
-          </a:p>
-          <a:p>
-            <a:pPr algn="just"/>
-            <a:endParaRPr lang="en-US" sz="2400" dirty="0" smtClean="0"/>
-          </a:p>
-          <a:p>
-            <a:pPr algn="just"/>
-            <a:endParaRPr lang="en-US" sz="2400" dirty="0"/>
-          </a:p>
-          <a:p>
-            <a:pPr algn="just"/>
-            <a:endParaRPr lang="en-US" sz="2400" dirty="0" smtClean="0"/>
-          </a:p>
-          <a:p>
-            <a:pPr algn="just"/>
-            <a:endParaRPr lang="en-US" sz="2400" dirty="0"/>
-          </a:p>
-          <a:p>
-            <a:pPr algn="just"/>
-            <a:endParaRPr lang="en-US" sz="2400" dirty="0" smtClean="0"/>
-          </a:p>
-          <a:p>
-            <a:pPr algn="just"/>
-            <a:endParaRPr lang="en-US" sz="2400" dirty="0"/>
-          </a:p>
-          <a:p>
-            <a:pPr algn="just"/>
-            <a:endParaRPr lang="en-US" sz="2400" dirty="0" smtClean="0"/>
-          </a:p>
-          <a:p>
-            <a:pPr algn="just"/>
-            <a:r>
-              <a:rPr lang="en-US" sz="2400" dirty="0" smtClean="0"/>
-              <a:t>Note how objects within the room have been removed.</a:t>
-            </a:r>
-          </a:p>
-          <a:p>
-            <a:pPr algn="just"/>
-            <a:endParaRPr lang="en-US" sz="2400" dirty="0"/>
-          </a:p>
-          <a:p>
-            <a:pPr algn="just">
-              <a:spcAft>
-                <a:spcPts val="600"/>
-              </a:spcAft>
-            </a:pPr>
-            <a:r>
-              <a:rPr lang="en-US" sz="2800" b="1" dirty="0" smtClean="0"/>
-              <a:t>Extrusion of Boundary points</a:t>
-            </a:r>
-          </a:p>
-          <a:p>
-            <a:pPr algn="just">
-              <a:spcAft>
-                <a:spcPts val="600"/>
-              </a:spcAft>
-            </a:pPr>
-            <a:r>
-              <a:rPr lang="en-US" sz="2400" dirty="0" smtClean="0"/>
-              <a:t>Boundary points of each segments are created by creating a object oriented bounding box (OBB) and extruded outwards to establish the full extent of what that segments represents. </a:t>
-            </a:r>
-            <a:endParaRPr lang="en-US" sz="2400" dirty="0"/>
-          </a:p>
-          <a:p>
-            <a:pPr algn="just"/>
-            <a:r>
-              <a:rPr lang="en-US" sz="2400" dirty="0" smtClean="0"/>
-              <a:t>    Each segments is compare to all other segments are lines of intersection are created. The boundary points created with the OBB are then projected onto the lines of intersection. This projection is represented by the red arrows below.</a:t>
-            </a:r>
-          </a:p>
-          <a:p>
-            <a:pPr algn="just"/>
-            <a:endParaRPr lang="en-US" sz="2400" dirty="0"/>
-          </a:p>
-          <a:p>
-            <a:pPr algn="just"/>
-            <a:endParaRPr lang="en-US" sz="2400" dirty="0" smtClean="0"/>
-          </a:p>
-          <a:p>
-            <a:pPr algn="just"/>
-            <a:endParaRPr lang="en-US" sz="2400" dirty="0"/>
-          </a:p>
-          <a:p>
-            <a:pPr algn="just"/>
-            <a:endParaRPr lang="en-US" sz="2400" dirty="0" smtClean="0"/>
-          </a:p>
-          <a:p>
-            <a:pPr algn="just"/>
-            <a:endParaRPr lang="en-US" sz="2400" dirty="0"/>
-          </a:p>
-          <a:p>
-            <a:pPr algn="just"/>
-            <a:endParaRPr lang="en-US" sz="2400" dirty="0" smtClean="0"/>
-          </a:p>
-          <a:p>
-            <a:pPr algn="just"/>
-            <a:endParaRPr lang="en-US" sz="2400" dirty="0"/>
-          </a:p>
-          <a:p>
-            <a:pPr algn="just"/>
-            <a:endParaRPr lang="en-US" sz="2400" dirty="0" smtClean="0"/>
-          </a:p>
-          <a:p>
-            <a:pPr algn="just"/>
-            <a:endParaRPr lang="en-US" sz="2400" dirty="0"/>
-          </a:p>
-          <a:p>
-            <a:pPr algn="just"/>
-            <a:endParaRPr lang="en-US" sz="2400" dirty="0" smtClean="0"/>
-          </a:p>
-          <a:p>
-            <a:pPr algn="just"/>
-            <a:endParaRPr lang="en-US" sz="2400" dirty="0"/>
-          </a:p>
-          <a:p>
-            <a:pPr algn="just"/>
-            <a:r>
-              <a:rPr lang="en-US" sz="2400" dirty="0" smtClean="0"/>
-              <a:t>This is done for every segment against every other segments. The boundary points can then be said to estimate the corners of the room. These points are then used to create the boundary representation model.</a:t>
-            </a:r>
-          </a:p>
-          <a:p>
-            <a:pPr>
-              <a:spcAft>
-                <a:spcPts val="600"/>
-              </a:spcAft>
-            </a:pPr>
-            <a:endParaRPr lang="en-US" sz="2800" dirty="0" smtClean="0"/>
-          </a:p>
-          <a:p>
-            <a:endParaRPr lang="en-US" sz="2400" dirty="0"/>
-          </a:p>
-          <a:p>
-            <a:endParaRPr lang="en-US" sz="2400" dirty="0" smtClean="0"/>
-          </a:p>
-          <a:p>
-            <a:endParaRPr lang="en-US" sz="2400" b="1" dirty="0"/>
           </a:p>
         </p:txBody>
       </p:sp>
@@ -1872,8 +1667,8 @@
         </p:nvSpPr>
         <p:spPr>
           <a:xfrm>
-            <a:off x="23184074" y="5573977"/>
-            <a:ext cx="6529785" cy="12157174"/>
+            <a:off x="23184074" y="5654571"/>
+            <a:ext cx="6529785" cy="11064567"/>
           </a:xfrm>
           <a:prstGeom prst="rect">
             <a:avLst/>
@@ -1886,13 +1681,14 @@
           </a:bodyPr>
           <a:lstStyle/>
           <a:p>
-            <a:r>
-              <a:rPr lang="en-US" sz="2800" dirty="0" smtClean="0">
+            <a:pPr algn="just"/>
+            <a:r>
+              <a:rPr lang="en-US" sz="2200" dirty="0" smtClean="0">
                 <a:cs typeface="Arial" pitchFamily="34" charset="0"/>
               </a:rPr>
               <a:t>The resulting Boundary Representation models will look as follows:</a:t>
             </a:r>
-            <a:endParaRPr lang="en-US" sz="2800" dirty="0">
+            <a:endParaRPr lang="en-US" sz="2200" dirty="0">
               <a:cs typeface="Arial" pitchFamily="34" charset="0"/>
             </a:endParaRPr>
           </a:p>
@@ -2003,7 +1799,7 @@
           <a:p>
             <a:pPr algn="just"/>
             <a:r>
-              <a:rPr lang="en-US" sz="2800" dirty="0" smtClean="0">
+              <a:rPr lang="en-US" sz="2200" dirty="0" smtClean="0">
                 <a:cs typeface="Arial" pitchFamily="34" charset="0"/>
               </a:rPr>
               <a:t>This system is currently limited by the complexity of the rooms that have been scanned. Future versions will look into extending this system into more complex rooms and into multi room situations.</a:t>
@@ -2050,8 +1846,8 @@
         </p:nvSpPr>
         <p:spPr>
           <a:xfrm>
-            <a:off x="23098473" y="17831193"/>
-            <a:ext cx="6811081" cy="3510570"/>
+            <a:off x="23098473" y="16902889"/>
+            <a:ext cx="6811081" cy="4438876"/>
           </a:xfrm>
           <a:prstGeom prst="rect">
             <a:avLst/>
@@ -2096,8 +1892,8 @@
         </p:nvSpPr>
         <p:spPr>
           <a:xfrm>
-            <a:off x="23184074" y="18096541"/>
-            <a:ext cx="5269026" cy="3539430"/>
+            <a:off x="23174072" y="17214446"/>
+            <a:ext cx="6527686" cy="3662541"/>
           </a:xfrm>
           <a:prstGeom prst="rect">
             <a:avLst/>
@@ -2110,48 +1906,32 @@
           </a:bodyPr>
           <a:lstStyle/>
           <a:p>
-            <a:r>
-              <a:rPr lang="en-US" sz="2800" u="sng" dirty="0"/>
-              <a:t>Contact </a:t>
-            </a:r>
-            <a:r>
-              <a:rPr lang="en-US" sz="2800" u="sng" dirty="0" smtClean="0"/>
-              <a:t>Information</a:t>
-            </a:r>
-          </a:p>
-          <a:p>
-            <a:endParaRPr lang="en-US" sz="2800" dirty="0"/>
-          </a:p>
-          <a:p>
-            <a:r>
-              <a:rPr lang="en-US" sz="2800" dirty="0">
-                <a:solidFill>
-                  <a:schemeClr val="tx1">
-                    <a:lumMod val="65000"/>
-                    <a:lumOff val="35000"/>
-                  </a:schemeClr>
-                </a:solidFill>
+            <a:pPr algn="ctr"/>
+            <a:r>
+              <a:rPr lang="en-US" sz="2800" b="1" dirty="0">
                 <a:cs typeface="Arial" pitchFamily="34" charset="0"/>
               </a:rPr>
-              <a:t>Tim Marsh</a:t>
-            </a:r>
-          </a:p>
-          <a:p>
-            <a:r>
-              <a:rPr lang="en-US" sz="2800" dirty="0">
-                <a:solidFill>
-                  <a:schemeClr val="tx1">
-                    <a:lumMod val="65000"/>
-                    <a:lumOff val="35000"/>
-                  </a:schemeClr>
-                </a:solidFill>
+              <a:t>University of Cape Town</a:t>
+            </a:r>
+          </a:p>
+          <a:p>
+            <a:pPr algn="ctr"/>
+            <a:r>
+              <a:rPr lang="en-US" sz="2800" b="1" dirty="0">
                 <a:cs typeface="Arial" pitchFamily="34" charset="0"/>
               </a:rPr>
-              <a:t>    TimIainMarsh@gmail.com</a:t>
-            </a:r>
-          </a:p>
-          <a:p>
-            <a:endParaRPr lang="en-US" sz="2800" dirty="0">
+              <a:t>Faculty of Engineering and the Built </a:t>
+            </a:r>
+            <a:r>
+              <a:rPr lang="en-US" sz="2800" b="1" dirty="0" smtClean="0">
+                <a:cs typeface="Arial" pitchFamily="34" charset="0"/>
+              </a:rPr>
+              <a:t>Environment</a:t>
+            </a:r>
+          </a:p>
+          <a:p>
+            <a:pPr algn="ctr"/>
+            <a:endParaRPr lang="en-US" sz="2000" dirty="0">
               <a:solidFill>
                 <a:schemeClr val="tx1">
                   <a:lumMod val="65000"/>
@@ -2163,7 +1943,7 @@
           </a:p>
           <a:p>
             <a:r>
-              <a:rPr lang="en-US" sz="2800" dirty="0">
+              <a:rPr lang="en-US" sz="2000" dirty="0">
                 <a:solidFill>
                   <a:schemeClr val="tx1">
                     <a:lumMod val="65000"/>
@@ -2177,7 +1957,7 @@
           </a:p>
           <a:p>
             <a:r>
-              <a:rPr lang="en-US" sz="2800" dirty="0">
+              <a:rPr lang="en-US" sz="2000" dirty="0">
                 <a:solidFill>
                   <a:schemeClr val="tx1">
                     <a:lumMod val="65000"/>
@@ -2190,129 +1970,79 @@
             </a:r>
           </a:p>
           <a:p>
+            <a:endParaRPr lang="en-US" sz="2000" dirty="0">
+              <a:solidFill>
+                <a:schemeClr val="tx1">
+                  <a:lumMod val="65000"/>
+                  <a:lumOff val="35000"/>
+                </a:schemeClr>
+              </a:solidFill>
+              <a:cs typeface="Arial" pitchFamily="34" charset="0"/>
+            </a:endParaRPr>
+          </a:p>
+          <a:p>
+            <a:r>
+              <a:rPr lang="en-US" sz="2000" dirty="0" smtClean="0">
+                <a:solidFill>
+                  <a:schemeClr val="tx1">
+                    <a:lumMod val="65000"/>
+                    <a:lumOff val="35000"/>
+                  </a:schemeClr>
+                </a:solidFill>
+                <a:cs typeface="Arial" pitchFamily="34" charset="0"/>
+              </a:rPr>
+              <a:t>Tim </a:t>
+            </a:r>
+            <a:r>
+              <a:rPr lang="en-US" sz="2000" dirty="0">
+                <a:solidFill>
+                  <a:schemeClr val="tx1">
+                    <a:lumMod val="65000"/>
+                    <a:lumOff val="35000"/>
+                  </a:schemeClr>
+                </a:solidFill>
+                <a:cs typeface="Arial" pitchFamily="34" charset="0"/>
+              </a:rPr>
+              <a:t>Marsh</a:t>
+            </a:r>
+          </a:p>
+          <a:p>
+            <a:r>
+              <a:rPr lang="en-US" sz="2000" dirty="0">
+                <a:solidFill>
+                  <a:schemeClr val="tx1">
+                    <a:lumMod val="65000"/>
+                    <a:lumOff val="35000"/>
+                  </a:schemeClr>
+                </a:solidFill>
+                <a:cs typeface="Arial" pitchFamily="34" charset="0"/>
+              </a:rPr>
+              <a:t>    </a:t>
+            </a:r>
+            <a:r>
+              <a:rPr lang="en-US" sz="2000" dirty="0" smtClean="0">
+                <a:solidFill>
+                  <a:schemeClr val="tx1">
+                    <a:lumMod val="65000"/>
+                    <a:lumOff val="35000"/>
+                  </a:schemeClr>
+                </a:solidFill>
+                <a:cs typeface="Arial" pitchFamily="34" charset="0"/>
+              </a:rPr>
+              <a:t>TimIainMarsh@gmail.com</a:t>
+            </a:r>
+            <a:endParaRPr lang="en-US" sz="2000" dirty="0">
+              <a:solidFill>
+                <a:schemeClr val="tx1">
+                  <a:lumMod val="65000"/>
+                  <a:lumOff val="35000"/>
+                </a:schemeClr>
+              </a:solidFill>
+              <a:cs typeface="Arial" pitchFamily="34" charset="0"/>
+            </a:endParaRPr>
+          </a:p>
+          <a:p>
             <a:endParaRPr lang="en-US" sz="2800" dirty="0"/>
-          </a:p>
-        </p:txBody>
-      </p:sp>
-      <p:sp>
-        <p:nvSpPr>
-          <p:cNvPr id="37" name="Title 1"/>
-          <p:cNvSpPr>
-            <a:spLocks noGrp="1"/>
-          </p:cNvSpPr>
-          <p:nvPr>
-            <p:ph type="title"/>
-          </p:nvPr>
-        </p:nvSpPr>
-        <p:spPr>
-          <a:xfrm>
-            <a:off x="2718020" y="1069529"/>
-            <a:ext cx="25800480" cy="1938542"/>
-          </a:xfrm>
-        </p:spPr>
-        <p:txBody>
-          <a:bodyPr anchor="ctr" anchorCtr="0">
-            <a:noAutofit/>
-          </a:bodyPr>
-          <a:lstStyle/>
-          <a:p>
-            <a:r>
-              <a:rPr lang="en-ZA" sz="5400" b="1" dirty="0">
-                <a:solidFill>
-                  <a:schemeClr val="bg1"/>
-                </a:solidFill>
-              </a:rPr>
-              <a:t>Creating a Boundary Representation </a:t>
-            </a:r>
-            <a:r>
-              <a:rPr lang="en-ZA" sz="5400" b="1" dirty="0" smtClean="0">
-                <a:solidFill>
-                  <a:schemeClr val="bg1"/>
-                </a:solidFill>
-              </a:rPr>
-              <a:t>Model from</a:t>
-            </a:r>
-            <a:br>
-              <a:rPr lang="en-ZA" sz="5400" b="1" dirty="0" smtClean="0">
-                <a:solidFill>
-                  <a:schemeClr val="bg1"/>
-                </a:solidFill>
-              </a:rPr>
-            </a:br>
-            <a:r>
-              <a:rPr lang="en-ZA" sz="5400" b="1" dirty="0" smtClean="0">
-                <a:solidFill>
-                  <a:schemeClr val="bg1"/>
-                </a:solidFill>
-              </a:rPr>
-              <a:t> </a:t>
-            </a:r>
-            <a:r>
-              <a:rPr lang="en-ZA" sz="5400" b="1" dirty="0">
-                <a:solidFill>
-                  <a:schemeClr val="bg1"/>
-                </a:solidFill>
-              </a:rPr>
-              <a:t>Indoor Laser </a:t>
-            </a:r>
-            <a:r>
-              <a:rPr lang="en-ZA" sz="5400" b="1" dirty="0" smtClean="0">
-                <a:solidFill>
-                  <a:schemeClr val="bg1"/>
-                </a:solidFill>
-              </a:rPr>
-              <a:t>Scans</a:t>
-            </a:r>
-            <a:endParaRPr lang="en-US" sz="5400" b="1" dirty="0">
-              <a:solidFill>
-                <a:schemeClr val="bg1"/>
-              </a:solidFill>
-            </a:endParaRPr>
-          </a:p>
-        </p:txBody>
-      </p:sp>
-      <p:sp>
-        <p:nvSpPr>
-          <p:cNvPr id="38" name="Text Placeholder 2"/>
-          <p:cNvSpPr>
-            <a:spLocks noGrp="1"/>
-          </p:cNvSpPr>
-          <p:nvPr>
-            <p:ph type="body" sz="quarter" idx="10"/>
-          </p:nvPr>
-        </p:nvSpPr>
-        <p:spPr>
-          <a:xfrm>
-            <a:off x="2718020" y="2206904"/>
-            <a:ext cx="25871566" cy="1753819"/>
-          </a:xfrm>
-        </p:spPr>
-        <p:txBody>
-          <a:bodyPr anchor="ctr">
-            <a:normAutofit/>
-          </a:bodyPr>
-          <a:lstStyle/>
-          <a:p>
-            <a:pPr algn="ctr"/>
-            <a:r>
-              <a:rPr lang="en-US" sz="3508" b="1" dirty="0" smtClean="0">
-                <a:solidFill>
-                  <a:schemeClr val="bg1"/>
-                </a:solidFill>
-              </a:rPr>
-              <a:t>__________________________________________________________________________________</a:t>
-            </a:r>
-          </a:p>
-          <a:p>
-            <a:pPr algn="ctr"/>
-            <a:r>
-              <a:rPr lang="en-US" sz="3508" b="1" dirty="0" smtClean="0">
-                <a:solidFill>
-                  <a:schemeClr val="bg1"/>
-                </a:solidFill>
-              </a:rPr>
-              <a:t>Author: Tim Marsh 				Supervised by: Dr. G Sithole</a:t>
-            </a:r>
           </a:p>
         </p:txBody>
       </p:sp>
@@ -2324,8 +2054,8 @@
         </p:nvSpPr>
         <p:spPr>
           <a:xfrm>
-            <a:off x="1362230" y="13804106"/>
-            <a:ext cx="6811081" cy="7537658"/>
+            <a:off x="1362230" y="13740890"/>
+            <a:ext cx="6811081" cy="7600874"/>
           </a:xfrm>
           <a:prstGeom prst="rect">
             <a:avLst/>
@@ -2405,7 +2135,7 @@
         <p:spPr>
           <a:xfrm>
             <a:off x="1487171" y="14522788"/>
-            <a:ext cx="6504874" cy="3108543"/>
+            <a:ext cx="6504874" cy="2893100"/>
           </a:xfrm>
           <a:prstGeom prst="rect">
             <a:avLst/>
@@ -2420,16 +2150,21 @@
           <a:p>
             <a:r>
               <a:rPr lang="en-US" sz="2800" b="1" dirty="0" smtClean="0"/>
-              <a:t>Normal Computation</a:t>
-            </a:r>
-          </a:p>
-          <a:p>
-            <a:pPr algn="just"/>
-            <a:r>
-              <a:rPr lang="en-US" sz="2400" dirty="0" smtClean="0"/>
+              <a:t>Normal </a:t>
+            </a:r>
+            <a:r>
+              <a:rPr lang="en-US" sz="2800" b="1" dirty="0" smtClean="0"/>
+              <a:t>Computation</a:t>
+            </a:r>
+            <a:endParaRPr lang="en-US" sz="2800" b="1" dirty="0" smtClean="0"/>
+          </a:p>
+          <a:p>
+            <a:pPr algn="just"/>
+            <a:r>
+              <a:rPr lang="en-US" sz="2200" dirty="0" smtClean="0"/>
               <a:t>Normals Are calculated using a Principal Components Analysis and in the case of ambiguous normal directions the normal are orientated towards the scan center, which will have to be within the room resulting in all normal pointing inwards. The image below shows the normals of an indoor scene.</a:t>
             </a:r>
-            <a:endParaRPr lang="en-US" sz="2400" dirty="0"/>
+            <a:endParaRPr lang="en-US" sz="2200" dirty="0"/>
           </a:p>
         </p:txBody>
       </p:sp>
@@ -2556,14 +2291,43 @@
       </p:sp>
       <p:pic>
         <p:nvPicPr>
-          <p:cNvPr id="21" name="Picture 20"/>
+          <p:cNvPr id="25" name="Picture 24"/>
+          <p:cNvPicPr>
+            <a:picLocks noChangeAspect="1"/>
+          </p:cNvPicPr>
+          <p:nvPr/>
+        </p:nvPicPr>
+        <p:blipFill rotWithShape="1">
+          <a:blip r:embed="rId6">
+            <a:extLst>
+              <a:ext uri="{28A0092B-C50C-407E-A947-70E740481C1C}">
+                <a14:useLocalDpi xmlns:a14="http://schemas.microsoft.com/office/drawing/2010/main" val="0"/>
+              </a:ext>
+            </a:extLst>
+          </a:blip>
+          <a:srcRect l="9074" r="9347"/>
+          <a:stretch/>
+        </p:blipFill>
+        <p:spPr>
+          <a:xfrm>
+            <a:off x="16004552" y="15499450"/>
+            <a:ext cx="6480000" cy="3338271"/>
+          </a:xfrm>
+          <a:prstGeom prst="rect">
+            <a:avLst/>
+          </a:prstGeom>
+        </p:spPr>
+      </p:pic>
+      <p:pic>
+        <p:nvPicPr>
+          <p:cNvPr id="26" name="Picture 25"/>
           <p:cNvPicPr>
             <a:picLocks noChangeAspect="1"/>
           </p:cNvPicPr>
           <p:nvPr/>
         </p:nvPicPr>
         <p:blipFill>
-          <a:blip r:embed="rId6">
+          <a:blip r:embed="rId7">
             <a:extLst>
               <a:ext uri="{28A0092B-C50C-407E-A947-70E740481C1C}">
                 <a14:useLocalDpi xmlns:a14="http://schemas.microsoft.com/office/drawing/2010/main" val="0"/>
@@ -2576,46 +2340,240 @@
         </p:blipFill>
         <p:spPr>
           <a:xfrm>
-            <a:off x="16004552" y="7005401"/>
-            <a:ext cx="6480000" cy="2723357"/>
+            <a:off x="23208966" y="10251596"/>
+            <a:ext cx="6480000" cy="3645000"/>
           </a:xfrm>
           <a:prstGeom prst="rect">
             <a:avLst/>
           </a:prstGeom>
         </p:spPr>
       </p:pic>
-      <p:pic>
-        <p:nvPicPr>
-          <p:cNvPr id="25" name="Picture 24"/>
-          <p:cNvPicPr>
-            <a:picLocks noChangeAspect="1"/>
-          </p:cNvPicPr>
+      <p:sp>
+        <p:nvSpPr>
+          <p:cNvPr id="57" name="TextBox 56"/>
+          <p:cNvSpPr txBox="1"/>
           <p:nvPr/>
-        </p:nvPicPr>
-        <p:blipFill rotWithShape="1">
-          <a:blip r:embed="rId7">
-            <a:extLst>
-              <a:ext uri="{28A0092B-C50C-407E-A947-70E740481C1C}">
-                <a14:useLocalDpi xmlns:a14="http://schemas.microsoft.com/office/drawing/2010/main" val="0"/>
-              </a:ext>
-            </a:extLst>
-          </a:blip>
-          <a:srcRect l="9074" r="9347"/>
-          <a:stretch/>
-        </p:blipFill>
-        <p:spPr>
-          <a:xfrm>
-            <a:off x="16004552" y="15499450"/>
-            <a:ext cx="6480000" cy="3338271"/>
+        </p:nvSpPr>
+        <p:spPr>
+          <a:xfrm>
+            <a:off x="16004552" y="5680900"/>
+            <a:ext cx="6583695" cy="17466320"/>
           </a:xfrm>
           <a:prstGeom prst="rect">
             <a:avLst/>
           </a:prstGeom>
-        </p:spPr>
-      </p:pic>
+          <a:noFill/>
+        </p:spPr>
+        <p:txBody>
+          <a:bodyPr wrap="square" rtlCol="0">
+            <a:spAutoFit/>
+          </a:bodyPr>
+          <a:lstStyle/>
+          <a:p>
+            <a:pPr algn="just">
+              <a:spcAft>
+                <a:spcPts val="600"/>
+              </a:spcAft>
+            </a:pPr>
+            <a:r>
+              <a:rPr lang="en-US" sz="2800" b="1" dirty="0"/>
+              <a:t>Segment Selection </a:t>
+            </a:r>
+            <a:r>
+              <a:rPr lang="en-US" sz="2800" b="1" dirty="0" smtClean="0"/>
+              <a:t>Cont.</a:t>
+            </a:r>
+          </a:p>
+          <a:p>
+            <a:pPr algn="just"/>
+            <a:r>
+              <a:rPr lang="en-US" sz="2200" dirty="0"/>
+              <a:t>After </a:t>
+            </a:r>
+            <a:r>
+              <a:rPr lang="en-US" sz="2200" dirty="0" smtClean="0"/>
+              <a:t>the segment selection is left the scan will look as follows</a:t>
+            </a:r>
+            <a:r>
+              <a:rPr lang="en-US" sz="2200" dirty="0" smtClean="0"/>
+              <a:t>:</a:t>
+            </a:r>
+          </a:p>
+          <a:p>
+            <a:pPr algn="just"/>
+            <a:endParaRPr lang="en-US" sz="2200" dirty="0"/>
+          </a:p>
+          <a:p>
+            <a:pPr algn="just"/>
+            <a:endParaRPr lang="en-US" sz="2200" dirty="0" smtClean="0"/>
+          </a:p>
+          <a:p>
+            <a:pPr algn="just"/>
+            <a:endParaRPr lang="en-US" sz="2200" dirty="0" smtClean="0"/>
+          </a:p>
+          <a:p>
+            <a:pPr algn="just"/>
+            <a:endParaRPr lang="en-US" sz="2200" dirty="0"/>
+          </a:p>
+          <a:p>
+            <a:pPr algn="just"/>
+            <a:endParaRPr lang="en-US" sz="2200" dirty="0" smtClean="0"/>
+          </a:p>
+          <a:p>
+            <a:pPr algn="just"/>
+            <a:endParaRPr lang="en-US" sz="2200" dirty="0"/>
+          </a:p>
+          <a:p>
+            <a:pPr algn="just"/>
+            <a:endParaRPr lang="en-US" sz="2200" dirty="0" smtClean="0"/>
+          </a:p>
+          <a:p>
+            <a:pPr algn="just"/>
+            <a:endParaRPr lang="en-US" sz="2200" dirty="0"/>
+          </a:p>
+          <a:p>
+            <a:pPr algn="just"/>
+            <a:endParaRPr lang="en-US" sz="2200" dirty="0" smtClean="0"/>
+          </a:p>
+          <a:p>
+            <a:pPr algn="just"/>
+            <a:endParaRPr lang="en-US" sz="2200" dirty="0" smtClean="0"/>
+          </a:p>
+          <a:p>
+            <a:pPr algn="just">
+              <a:spcAft>
+                <a:spcPts val="1200"/>
+              </a:spcAft>
+            </a:pPr>
+            <a:r>
+              <a:rPr lang="en-US" sz="2200" dirty="0" smtClean="0"/>
+              <a:t>Note </a:t>
+            </a:r>
+            <a:r>
+              <a:rPr lang="en-US" sz="2200" dirty="0" smtClean="0"/>
+              <a:t>how all the </a:t>
+            </a:r>
+            <a:r>
+              <a:rPr lang="en-US" sz="2200" dirty="0" smtClean="0"/>
+              <a:t>objects within the room have been removed</a:t>
+            </a:r>
+            <a:r>
+              <a:rPr lang="en-US" sz="2200" dirty="0" smtClean="0"/>
+              <a:t>.</a:t>
+            </a:r>
+            <a:endParaRPr lang="en-US" sz="2200" dirty="0"/>
+          </a:p>
+          <a:p>
+            <a:pPr algn="just">
+              <a:spcAft>
+                <a:spcPts val="600"/>
+              </a:spcAft>
+            </a:pPr>
+            <a:r>
+              <a:rPr lang="en-US" sz="2800" b="1" dirty="0" smtClean="0"/>
+              <a:t>Extrusion of Boundary points</a:t>
+            </a:r>
+          </a:p>
+          <a:p>
+            <a:pPr algn="just">
+              <a:spcAft>
+                <a:spcPts val="600"/>
+              </a:spcAft>
+            </a:pPr>
+            <a:r>
+              <a:rPr lang="en-US" sz="2200" dirty="0" smtClean="0"/>
+              <a:t>Boundary points of each segments are created by creating a object oriented bounding box (OBB) and extruded outwards to establish the full extent of what that segments represents. </a:t>
+            </a:r>
+            <a:endParaRPr lang="en-US" sz="2200" dirty="0" smtClean="0"/>
+          </a:p>
+          <a:p>
+            <a:pPr algn="just">
+              <a:spcAft>
+                <a:spcPts val="600"/>
+              </a:spcAft>
+            </a:pPr>
+            <a:endParaRPr lang="en-US" sz="2200" dirty="0"/>
+          </a:p>
+          <a:p>
+            <a:pPr algn="just"/>
+            <a:r>
+              <a:rPr lang="en-US" sz="2200" dirty="0" smtClean="0"/>
+              <a:t>    Each segments is compare to all other segments are lines of intersection are created. The boundary points created with the OBB are then projected onto the lines of intersection. This projection is represented by the red arrows below.</a:t>
+            </a:r>
+          </a:p>
+          <a:p>
+            <a:pPr algn="just"/>
+            <a:endParaRPr lang="en-US" sz="2400" dirty="0"/>
+          </a:p>
+          <a:p>
+            <a:pPr algn="just"/>
+            <a:endParaRPr lang="en-US" sz="2400" dirty="0" smtClean="0"/>
+          </a:p>
+          <a:p>
+            <a:pPr algn="just"/>
+            <a:endParaRPr lang="en-US" sz="2400" dirty="0"/>
+          </a:p>
+          <a:p>
+            <a:pPr algn="just"/>
+            <a:endParaRPr lang="en-US" sz="2400" dirty="0" smtClean="0"/>
+          </a:p>
+          <a:p>
+            <a:pPr algn="just"/>
+            <a:endParaRPr lang="en-US" sz="2400" dirty="0"/>
+          </a:p>
+          <a:p>
+            <a:pPr algn="just"/>
+            <a:endParaRPr lang="en-US" sz="2400" dirty="0" smtClean="0"/>
+          </a:p>
+          <a:p>
+            <a:pPr algn="just"/>
+            <a:endParaRPr lang="en-US" sz="2400" dirty="0"/>
+          </a:p>
+          <a:p>
+            <a:pPr algn="just"/>
+            <a:endParaRPr lang="en-US" sz="2400" dirty="0" smtClean="0"/>
+          </a:p>
+          <a:p>
+            <a:pPr algn="just"/>
+            <a:endParaRPr lang="en-US" sz="2400" dirty="0"/>
+          </a:p>
+          <a:p>
+            <a:pPr algn="just"/>
+            <a:endParaRPr lang="en-US" sz="2400" dirty="0" smtClean="0"/>
+          </a:p>
+          <a:p>
+            <a:pPr algn="just"/>
+            <a:endParaRPr lang="en-US" sz="2400" dirty="0"/>
+          </a:p>
+          <a:p>
+            <a:pPr algn="just"/>
+            <a:r>
+              <a:rPr lang="en-US" sz="2200" dirty="0" smtClean="0"/>
+              <a:t>This is done for every segment against every other segments. The boundary points can then be said to estimate the corners of the room. These points are then used to create the boundary representation model.</a:t>
+            </a:r>
+          </a:p>
+          <a:p>
+            <a:pPr>
+              <a:spcAft>
+                <a:spcPts val="600"/>
+              </a:spcAft>
+            </a:pPr>
+            <a:endParaRPr lang="en-US" sz="2800" dirty="0" smtClean="0"/>
+          </a:p>
+          <a:p>
+            <a:endParaRPr lang="en-US" sz="2400" dirty="0"/>
+          </a:p>
+          <a:p>
+            <a:endParaRPr lang="en-US" sz="2400" dirty="0" smtClean="0"/>
+          </a:p>
+          <a:p>
+            <a:endParaRPr lang="en-US" sz="2400" b="1" dirty="0"/>
+          </a:p>
+        </p:txBody>
+      </p:sp>
       <p:pic>
         <p:nvPicPr>
-          <p:cNvPr id="26" name="Picture 25"/>
+          <p:cNvPr id="27" name="Picture 26"/>
           <p:cNvPicPr>
             <a:picLocks noChangeAspect="1"/>
           </p:cNvPicPr>
@@ -2635,7 +2593,7 @@
         </p:blipFill>
         <p:spPr>
           <a:xfrm>
-            <a:off x="23249963" y="10289621"/>
+            <a:off x="23249963" y="6422846"/>
             <a:ext cx="6480000" cy="3645000"/>
           </a:xfrm>
           <a:prstGeom prst="rect">
@@ -2645,13 +2603,13 @@
       </p:pic>
       <p:pic>
         <p:nvPicPr>
-          <p:cNvPr id="27" name="Picture 26"/>
+          <p:cNvPr id="2" name="Picture 1"/>
           <p:cNvPicPr>
             <a:picLocks noChangeAspect="1"/>
           </p:cNvPicPr>
           <p:nvPr/>
         </p:nvPicPr>
-        <p:blipFill>
+        <p:blipFill rotWithShape="1">
           <a:blip r:embed="rId9">
             <a:extLst>
               <a:ext uri="{28A0092B-C50C-407E-A947-70E740481C1C}">
@@ -2659,20 +2617,269 @@
               </a:ext>
             </a:extLst>
           </a:blip>
-          <a:stretch>
-            <a:fillRect/>
-          </a:stretch>
+          <a:srcRect l="7464" r="8094"/>
+          <a:stretch/>
         </p:blipFill>
         <p:spPr>
           <a:xfrm>
-            <a:off x="23249963" y="6544579"/>
-            <a:ext cx="6480000" cy="3645000"/>
+            <a:off x="16056399" y="7029969"/>
+            <a:ext cx="6480000" cy="2897434"/>
           </a:xfrm>
           <a:prstGeom prst="rect">
             <a:avLst/>
           </a:prstGeom>
         </p:spPr>
       </p:pic>
+      <p:sp>
+        <p:nvSpPr>
+          <p:cNvPr id="72" name="Rectangle 71"/>
+          <p:cNvSpPr/>
+          <p:nvPr/>
+        </p:nvSpPr>
+        <p:spPr>
+          <a:xfrm>
+            <a:off x="1362231" y="918791"/>
+            <a:ext cx="28547323" cy="3678440"/>
+          </a:xfrm>
+          <a:prstGeom prst="rect">
+            <a:avLst/>
+          </a:prstGeom>
+          <a:solidFill>
+            <a:srgbClr val="0076BC"/>
+          </a:solidFill>
+          <a:ln>
+            <a:noFill/>
+          </a:ln>
+        </p:spPr>
+        <p:style>
+          <a:lnRef idx="2">
+            <a:schemeClr val="accent1">
+              <a:shade val="50000"/>
+            </a:schemeClr>
+          </a:lnRef>
+          <a:fillRef idx="1">
+            <a:schemeClr val="accent1"/>
+          </a:fillRef>
+          <a:effectRef idx="0">
+            <a:schemeClr val="accent1"/>
+          </a:effectRef>
+          <a:fontRef idx="minor">
+            <a:schemeClr val="lt1"/>
+          </a:fontRef>
+        </p:style>
+        <p:txBody>
+          <a:bodyPr lIns="83160" tIns="41580" rIns="83160" bIns="41580" rtlCol="0" anchor="ctr"/>
+          <a:lstStyle/>
+          <a:p>
+            <a:pPr algn="ctr"/>
+            <a:endParaRPr lang="en-US" sz="3801" b="1"/>
+          </a:p>
+        </p:txBody>
+      </p:sp>
+      <p:pic>
+        <p:nvPicPr>
+          <p:cNvPr id="12" name="Picture 11"/>
+          <p:cNvPicPr>
+            <a:picLocks noChangeAspect="1"/>
+          </p:cNvPicPr>
+          <p:nvPr/>
+        </p:nvPicPr>
+        <p:blipFill rotWithShape="1">
+          <a:blip r:embed="rId10" cstate="print">
+            <a:extLst>
+              <a:ext uri="{28A0092B-C50C-407E-A947-70E740481C1C}">
+                <a14:useLocalDpi xmlns:a14="http://schemas.microsoft.com/office/drawing/2010/main" val="0"/>
+              </a:ext>
+            </a:extLst>
+          </a:blip>
+          <a:srcRect l="22122" t="22676" r="23732" b="17364"/>
+          <a:stretch/>
+        </p:blipFill>
+        <p:spPr>
+          <a:xfrm>
+            <a:off x="1644473" y="1647512"/>
+            <a:ext cx="1986234" cy="2233612"/>
+          </a:xfrm>
+          <a:prstGeom prst="rect">
+            <a:avLst/>
+          </a:prstGeom>
+        </p:spPr>
+      </p:pic>
+      <p:pic>
+        <p:nvPicPr>
+          <p:cNvPr id="91" name="Picture 90"/>
+          <p:cNvPicPr>
+            <a:picLocks noChangeAspect="1"/>
+          </p:cNvPicPr>
+          <p:nvPr/>
+        </p:nvPicPr>
+        <p:blipFill rotWithShape="1">
+          <a:blip r:embed="rId10" cstate="print">
+            <a:extLst>
+              <a:ext uri="{28A0092B-C50C-407E-A947-70E740481C1C}">
+                <a14:useLocalDpi xmlns:a14="http://schemas.microsoft.com/office/drawing/2010/main" val="0"/>
+              </a:ext>
+            </a:extLst>
+          </a:blip>
+          <a:srcRect l="22122" t="22676" r="23732" b="17364"/>
+          <a:stretch/>
+        </p:blipFill>
+        <p:spPr>
+          <a:xfrm>
+            <a:off x="27676899" y="1641002"/>
+            <a:ext cx="1986234" cy="2233612"/>
+          </a:xfrm>
+          <a:prstGeom prst="rect">
+            <a:avLst/>
+          </a:prstGeom>
+        </p:spPr>
+      </p:pic>
+      <p:sp>
+        <p:nvSpPr>
+          <p:cNvPr id="37" name="Title 1"/>
+          <p:cNvSpPr>
+            <a:spLocks noGrp="1"/>
+          </p:cNvSpPr>
+          <p:nvPr>
+            <p:ph type="title"/>
+          </p:nvPr>
+        </p:nvSpPr>
+        <p:spPr>
+          <a:xfrm>
+            <a:off x="2718020" y="1069529"/>
+            <a:ext cx="25800480" cy="1938542"/>
+          </a:xfrm>
+        </p:spPr>
+        <p:txBody>
+          <a:bodyPr anchor="ctr" anchorCtr="0">
+            <a:noAutofit/>
+          </a:bodyPr>
+          <a:lstStyle/>
+          <a:p>
+            <a:r>
+              <a:rPr lang="en-ZA" sz="5400" b="1" dirty="0">
+                <a:solidFill>
+                  <a:schemeClr val="bg1"/>
+                </a:solidFill>
+              </a:rPr>
+              <a:t>Creating a Boundary Representation </a:t>
+            </a:r>
+            <a:r>
+              <a:rPr lang="en-ZA" sz="5400" b="1" dirty="0" smtClean="0">
+                <a:solidFill>
+                  <a:schemeClr val="bg1"/>
+                </a:solidFill>
+              </a:rPr>
+              <a:t>Model from</a:t>
+            </a:r>
+            <a:br>
+              <a:rPr lang="en-ZA" sz="5400" b="1" dirty="0" smtClean="0">
+                <a:solidFill>
+                  <a:schemeClr val="bg1"/>
+                </a:solidFill>
+              </a:rPr>
+            </a:br>
+            <a:r>
+              <a:rPr lang="en-ZA" sz="5400" b="1" dirty="0" smtClean="0">
+                <a:solidFill>
+                  <a:schemeClr val="bg1"/>
+                </a:solidFill>
+              </a:rPr>
+              <a:t> </a:t>
+            </a:r>
+            <a:r>
+              <a:rPr lang="en-ZA" sz="5400" b="1" dirty="0">
+                <a:solidFill>
+                  <a:schemeClr val="bg1"/>
+                </a:solidFill>
+              </a:rPr>
+              <a:t>Indoor Laser </a:t>
+            </a:r>
+            <a:r>
+              <a:rPr lang="en-ZA" sz="5400" b="1" dirty="0" smtClean="0">
+                <a:solidFill>
+                  <a:schemeClr val="bg1"/>
+                </a:solidFill>
+              </a:rPr>
+              <a:t>Scans</a:t>
+            </a:r>
+            <a:endParaRPr lang="en-US" sz="5400" b="1" dirty="0">
+              <a:solidFill>
+                <a:schemeClr val="bg1"/>
+              </a:solidFill>
+            </a:endParaRPr>
+          </a:p>
+        </p:txBody>
+      </p:sp>
+      <p:sp>
+        <p:nvSpPr>
+          <p:cNvPr id="38" name="Text Placeholder 2"/>
+          <p:cNvSpPr>
+            <a:spLocks noGrp="1"/>
+          </p:cNvSpPr>
+          <p:nvPr>
+            <p:ph type="body" sz="quarter" idx="10"/>
+          </p:nvPr>
+        </p:nvSpPr>
+        <p:spPr>
+          <a:xfrm>
+            <a:off x="2718020" y="2206903"/>
+            <a:ext cx="25871566" cy="2396431"/>
+          </a:xfrm>
+        </p:spPr>
+        <p:txBody>
+          <a:bodyPr anchor="ctr">
+            <a:normAutofit/>
+          </a:bodyPr>
+          <a:lstStyle/>
+          <a:p>
+            <a:pPr algn="ctr"/>
+            <a:r>
+              <a:rPr lang="en-US" sz="3508" b="1" dirty="0" smtClean="0">
+                <a:solidFill>
+                  <a:schemeClr val="bg1"/>
+                </a:solidFill>
+              </a:rPr>
+              <a:t>__________________________________________________________________________________</a:t>
+            </a:r>
+          </a:p>
+          <a:p>
+            <a:pPr algn="ctr"/>
+            <a:r>
+              <a:rPr lang="en-US" sz="3508" b="1" dirty="0" smtClean="0">
+                <a:solidFill>
+                  <a:schemeClr val="bg1"/>
+                </a:solidFill>
+              </a:rPr>
+              <a:t>Author: Tim Marsh 				Supervised by: Dr. G </a:t>
+            </a:r>
+            <a:r>
+              <a:rPr lang="en-US" sz="3508" b="1" dirty="0" smtClean="0">
+                <a:solidFill>
+                  <a:schemeClr val="bg1"/>
+                </a:solidFill>
+              </a:rPr>
+              <a:t>Sithole</a:t>
+            </a:r>
+          </a:p>
+          <a:p>
+            <a:pPr algn="ctr"/>
+            <a:r>
+              <a:rPr lang="en-US" sz="3508" b="1" dirty="0" smtClean="0">
+                <a:solidFill>
+                  <a:schemeClr val="bg1"/>
+                </a:solidFill>
+              </a:rPr>
+              <a:t>2015</a:t>
+            </a:r>
+            <a:endParaRPr lang="en-US" sz="3508" b="1" dirty="0" smtClean="0">
+              <a:solidFill>
+                <a:schemeClr val="bg1"/>
+              </a:solidFill>
+            </a:endParaRPr>
+          </a:p>
+        </p:txBody>
+      </p:sp>
     </p:spTree>
     <p:extLst>
       <p:ext uri="{BB962C8B-B14F-4D97-AF65-F5344CB8AC3E}">
